--- a/docs/diagrams/LogicClassDiagram.pptx
+++ b/docs/diagrams/LogicClassDiagram.pptx
@@ -1,6 +1,6 @@
 
 <file path=ppt/presentation.xml><?xml version="1.0" encoding="utf-8"?>
-<p:presentation xmlns:a="http://schemas.openxmlformats.org/drawingml/2006/main" xmlns:r="http://schemas.openxmlformats.org/officeDocument/2006/relationships" xmlns:p="http://schemas.openxmlformats.org/presentationml/2006/main" saveSubsetFonts="1">
+<p:presentation xmlns:a="http://schemas.openxmlformats.org/drawingml/2006/main" xmlns:r="http://schemas.openxmlformats.org/officeDocument/2006/relationships" xmlns:p="http://schemas.openxmlformats.org/presentationml/2006/main" removePersonalInfoOnSave="1" saveSubsetFonts="1">
   <p:sldMasterIdLst>
     <p:sldMasterId id="2147483648" r:id="rId1"/>
   </p:sldMasterIdLst>
@@ -126,10 +126,6 @@
 </p:presentation>
 </file>
 
-<file path=ppt/revisionInfo.xml><?xml version="1.0" encoding="utf-8"?>
-<p1510:revInfo xmlns:a="http://schemas.openxmlformats.org/drawingml/2006/main" xmlns:r="http://schemas.openxmlformats.org/officeDocument/2006/relationships" xmlns:p1510="http://schemas.microsoft.com/office/powerpoint/2015/10/main"/>
-</file>
-
 <file path=ppt/notesMasters/notesMaster1.xml><?xml version="1.0" encoding="utf-8"?>
 <p:notesMaster xmlns:a="http://schemas.openxmlformats.org/drawingml/2006/main" xmlns:r="http://schemas.openxmlformats.org/officeDocument/2006/relationships" xmlns:p="http://schemas.openxmlformats.org/presentationml/2006/main">
   <p:cSld>
@@ -212,7 +208,7 @@
           <a:p>
             <a:fld id="{F5CC4B3F-88C1-4FFA-B1B6-F41C21DC6924}" type="datetimeFigureOut">
               <a:rPr lang="en-US" smtClean="0"/>
-              <a:t>4/16/2018</a:t>
+              <a:t>5/29/2019</a:t>
             </a:fld>
             <a:endParaRPr lang="en-US"/>
           </a:p>
@@ -658,7 +654,7 @@
           <a:p>
             <a:fld id="{78C97017-6FC3-485B-9764-EAC9E56C1D49}" type="datetimeFigureOut">
               <a:rPr lang="en-US" smtClean="0"/>
-              <a:t>4/16/2018</a:t>
+              <a:t>5/29/2019</a:t>
             </a:fld>
             <a:endParaRPr lang="en-US"/>
           </a:p>
@@ -826,7 +822,7 @@
           <a:p>
             <a:fld id="{78C97017-6FC3-485B-9764-EAC9E56C1D49}" type="datetimeFigureOut">
               <a:rPr lang="en-US" smtClean="0"/>
-              <a:t>4/16/2018</a:t>
+              <a:t>5/29/2019</a:t>
             </a:fld>
             <a:endParaRPr lang="en-US"/>
           </a:p>
@@ -1004,7 +1000,7 @@
           <a:p>
             <a:fld id="{78C97017-6FC3-485B-9764-EAC9E56C1D49}" type="datetimeFigureOut">
               <a:rPr lang="en-US" smtClean="0"/>
-              <a:t>4/16/2018</a:t>
+              <a:t>5/29/2019</a:t>
             </a:fld>
             <a:endParaRPr lang="en-US"/>
           </a:p>
@@ -1172,7 +1168,7 @@
           <a:p>
             <a:fld id="{78C97017-6FC3-485B-9764-EAC9E56C1D49}" type="datetimeFigureOut">
               <a:rPr lang="en-US" smtClean="0"/>
-              <a:t>4/16/2018</a:t>
+              <a:t>5/29/2019</a:t>
             </a:fld>
             <a:endParaRPr lang="en-US"/>
           </a:p>
@@ -1417,7 +1413,7 @@
           <a:p>
             <a:fld id="{78C97017-6FC3-485B-9764-EAC9E56C1D49}" type="datetimeFigureOut">
               <a:rPr lang="en-US" smtClean="0"/>
-              <a:t>4/16/2018</a:t>
+              <a:t>5/29/2019</a:t>
             </a:fld>
             <a:endParaRPr lang="en-US"/>
           </a:p>
@@ -1702,7 +1698,7 @@
           <a:p>
             <a:fld id="{78C97017-6FC3-485B-9764-EAC9E56C1D49}" type="datetimeFigureOut">
               <a:rPr lang="en-US" smtClean="0"/>
-              <a:t>4/16/2018</a:t>
+              <a:t>5/29/2019</a:t>
             </a:fld>
             <a:endParaRPr lang="en-US"/>
           </a:p>
@@ -2121,7 +2117,7 @@
           <a:p>
             <a:fld id="{78C97017-6FC3-485B-9764-EAC9E56C1D49}" type="datetimeFigureOut">
               <a:rPr lang="en-US" smtClean="0"/>
-              <a:t>4/16/2018</a:t>
+              <a:t>5/29/2019</a:t>
             </a:fld>
             <a:endParaRPr lang="en-US"/>
           </a:p>
@@ -2238,7 +2234,7 @@
           <a:p>
             <a:fld id="{78C97017-6FC3-485B-9764-EAC9E56C1D49}" type="datetimeFigureOut">
               <a:rPr lang="en-US" smtClean="0"/>
-              <a:t>4/16/2018</a:t>
+              <a:t>5/29/2019</a:t>
             </a:fld>
             <a:endParaRPr lang="en-US"/>
           </a:p>
@@ -2333,7 +2329,7 @@
           <a:p>
             <a:fld id="{78C97017-6FC3-485B-9764-EAC9E56C1D49}" type="datetimeFigureOut">
               <a:rPr lang="en-US" smtClean="0"/>
-              <a:t>4/16/2018</a:t>
+              <a:t>5/29/2019</a:t>
             </a:fld>
             <a:endParaRPr lang="en-US"/>
           </a:p>
@@ -2608,7 +2604,7 @@
           <a:p>
             <a:fld id="{78C97017-6FC3-485B-9764-EAC9E56C1D49}" type="datetimeFigureOut">
               <a:rPr lang="en-US" smtClean="0"/>
-              <a:t>4/16/2018</a:t>
+              <a:t>5/29/2019</a:t>
             </a:fld>
             <a:endParaRPr lang="en-US"/>
           </a:p>
@@ -2860,7 +2856,7 @@
           <a:p>
             <a:fld id="{78C97017-6FC3-485B-9764-EAC9E56C1D49}" type="datetimeFigureOut">
               <a:rPr lang="en-US" smtClean="0"/>
-              <a:t>4/16/2018</a:t>
+              <a:t>5/29/2019</a:t>
             </a:fld>
             <a:endParaRPr lang="en-US"/>
           </a:p>
@@ -3071,7 +3067,7 @@
           <a:p>
             <a:fld id="{78C97017-6FC3-485B-9764-EAC9E56C1D49}" type="datetimeFigureOut">
               <a:rPr lang="en-US" smtClean="0"/>
-              <a:t>4/16/2018</a:t>
+              <a:t>5/29/2019</a:t>
             </a:fld>
             <a:endParaRPr lang="en-US"/>
           </a:p>
@@ -3607,7 +3603,7 @@
           <a:p>
             <a:pPr algn="ctr"/>
             <a:r>
-              <a:rPr lang="en-US" sz="1050" b="1" dirty="0" err="1" smtClean="0">
+              <a:rPr lang="en-US" sz="1050" b="1" dirty="0" err="1">
                 <a:solidFill>
                   <a:srgbClr val="0070C0"/>
                 </a:solidFill>
@@ -3939,7 +3935,7 @@
           <a:p>
             <a:pPr algn="ctr"/>
             <a:r>
-              <a:rPr lang="en-US" sz="1050" dirty="0" err="1" smtClean="0">
+              <a:rPr lang="en-US" sz="1050" dirty="0" err="1">
                 <a:solidFill>
                   <a:schemeClr val="bg1"/>
                 </a:solidFill>
@@ -5367,153 +5363,6 @@
       </p:cxnSp>
       <p:sp>
         <p:nvSpPr>
-          <p:cNvPr id="86" name="Rectangle 62"/>
-          <p:cNvSpPr/>
-          <p:nvPr/>
-        </p:nvSpPr>
-        <p:spPr>
-          <a:xfrm>
-            <a:off x="1295065" y="4183424"/>
-            <a:ext cx="805984" cy="346760"/>
-          </a:xfrm>
-          <a:prstGeom prst="rect">
-            <a:avLst/>
-          </a:prstGeom>
-          <a:solidFill>
-            <a:srgbClr val="0070C0"/>
-          </a:solidFill>
-          <a:ln w="19050">
-            <a:solidFill>
-              <a:srgbClr val="0070C0"/>
-            </a:solidFill>
-          </a:ln>
-          <a:effectLst/>
-        </p:spPr>
-        <p:style>
-          <a:lnRef idx="1">
-            <a:schemeClr val="accent2"/>
-          </a:lnRef>
-          <a:fillRef idx="2">
-            <a:schemeClr val="accent2"/>
-          </a:fillRef>
-          <a:effectRef idx="1">
-            <a:schemeClr val="accent2"/>
-          </a:effectRef>
-          <a:fontRef idx="minor">
-            <a:schemeClr val="dk1"/>
-          </a:fontRef>
-        </p:style>
-        <p:txBody>
-          <a:bodyPr rtlCol="0" anchor="ctr"/>
-          <a:lstStyle/>
-          <a:p>
-            <a:pPr algn="ctr"/>
-            <a:r>
-              <a:rPr lang="en-US" sz="1050">
-                <a:solidFill>
-                  <a:schemeClr val="bg1"/>
-                </a:solidFill>
-              </a:rPr>
-              <a:t>Command</a:t>
-            </a:r>
-          </a:p>
-          <a:p>
-            <a:pPr algn="ctr"/>
-            <a:r>
-              <a:rPr lang="en-US" sz="1050" dirty="0">
-                <a:solidFill>
-                  <a:schemeClr val="bg1"/>
-                </a:solidFill>
-              </a:rPr>
-              <a:t>History</a:t>
-            </a:r>
-            <a:endParaRPr lang="en-SG" sz="1050" dirty="0">
-              <a:solidFill>
-                <a:schemeClr val="bg1"/>
-              </a:solidFill>
-            </a:endParaRPr>
-          </a:p>
-        </p:txBody>
-      </p:sp>
-      <p:cxnSp>
-        <p:nvCxnSpPr>
-          <p:cNvPr id="88" name="Straight Arrow Connector 57"/>
-          <p:cNvCxnSpPr/>
-          <p:nvPr/>
-        </p:nvCxnSpPr>
-        <p:spPr>
-          <a:xfrm>
-            <a:off x="1971157" y="3939492"/>
-            <a:ext cx="2022" cy="240622"/>
-          </a:xfrm>
-          <a:prstGeom prst="straightConnector1">
-            <a:avLst/>
-          </a:prstGeom>
-          <a:ln w="19050">
-            <a:solidFill>
-              <a:srgbClr val="0070C0"/>
-            </a:solidFill>
-            <a:headEnd type="none" w="med" len="med"/>
-            <a:tailEnd type="arrow" w="med" len="med"/>
-          </a:ln>
-          <a:effectLst/>
-        </p:spPr>
-        <p:style>
-          <a:lnRef idx="1">
-            <a:schemeClr val="accent2"/>
-          </a:lnRef>
-          <a:fillRef idx="2">
-            <a:schemeClr val="accent2"/>
-          </a:fillRef>
-          <a:effectRef idx="1">
-            <a:schemeClr val="accent2"/>
-          </a:effectRef>
-          <a:fontRef idx="minor">
-            <a:schemeClr val="dk1"/>
-          </a:fontRef>
-        </p:style>
-      </p:cxnSp>
-      <p:sp>
-        <p:nvSpPr>
-          <p:cNvPr id="91" name="TextBox 90"/>
-          <p:cNvSpPr txBox="1"/>
-          <p:nvPr/>
-        </p:nvSpPr>
-        <p:spPr>
-          <a:xfrm>
-            <a:off x="1773980" y="4000395"/>
-            <a:ext cx="131116" cy="230832"/>
-          </a:xfrm>
-          <a:prstGeom prst="rect">
-            <a:avLst/>
-          </a:prstGeom>
-          <a:noFill/>
-        </p:spPr>
-        <p:txBody>
-          <a:bodyPr wrap="square" lIns="0" tIns="0" rIns="0" bIns="0" rtlCol="0">
-            <a:noAutofit/>
-          </a:bodyPr>
-          <a:lstStyle/>
-          <a:p>
-            <a:pPr algn="r"/>
-            <a:r>
-              <a:rPr lang="en-US" sz="1100" dirty="0">
-                <a:solidFill>
-                  <a:srgbClr val="0070C0"/>
-                </a:solidFill>
-              </a:rPr>
-              <a:t>1</a:t>
-            </a:r>
-            <a:endParaRPr lang="en-SG" sz="1100" dirty="0">
-              <a:solidFill>
-                <a:srgbClr val="0070C0"/>
-              </a:solidFill>
-            </a:endParaRPr>
-          </a:p>
-        </p:txBody>
-      </p:sp>
-      <p:sp>
-        <p:nvSpPr>
           <p:cNvPr id="97" name="Rectangle 96">
             <a:extLst>
               <a:ext uri="{FF2B5EF4-FFF2-40B4-BE49-F238E27FC236}">
@@ -5815,7 +5664,7 @@
           <a:p>
             <a:pPr algn="ctr"/>
             <a:r>
-              <a:rPr lang="en-US" sz="1050" b="1" dirty="0" err="1" smtClean="0">
+              <a:rPr lang="en-US" sz="1050" b="1" dirty="0" err="1">
                 <a:solidFill>
                   <a:schemeClr val="bg1"/>
                 </a:solidFill>
@@ -6165,7 +6014,7 @@
           <a:p>
             <a:pPr algn="ctr"/>
             <a:r>
-              <a:rPr lang="en-US" sz="1050" dirty="0" err="1" smtClean="0">
+              <a:rPr lang="en-US" sz="1050" dirty="0" err="1">
                 <a:solidFill>
                   <a:schemeClr val="bg1"/>
                 </a:solidFill>
@@ -6173,7 +6022,7 @@
               <a:t>XYZCommand</a:t>
             </a:r>
             <a:r>
-              <a:rPr lang="en-US" sz="1050" dirty="0" smtClean="0">
+              <a:rPr lang="en-US" sz="1050" dirty="0">
                 <a:solidFill>
                   <a:schemeClr val="bg1"/>
                 </a:solidFill>
@@ -6181,7 +6030,7 @@
               <a:t> = </a:t>
             </a:r>
             <a:r>
-              <a:rPr lang="en-US" sz="1050" dirty="0" err="1" smtClean="0">
+              <a:rPr lang="en-US" sz="1050" dirty="0" err="1">
                 <a:solidFill>
                   <a:schemeClr val="bg1"/>
                 </a:solidFill>
@@ -6189,7 +6038,7 @@
               <a:t>AddCommand</a:t>
             </a:r>
             <a:r>
-              <a:rPr lang="en-US" sz="1050" dirty="0" smtClean="0">
+              <a:rPr lang="en-US" sz="1050" dirty="0">
                 <a:solidFill>
                   <a:schemeClr val="bg1"/>
                 </a:solidFill>
@@ -6197,7 +6046,7 @@
               <a:t>, </a:t>
             </a:r>
             <a:r>
-              <a:rPr lang="en-US" sz="1050" dirty="0" err="1" smtClean="0">
+              <a:rPr lang="en-US" sz="1050" dirty="0" err="1">
                 <a:solidFill>
                   <a:schemeClr val="bg1"/>
                 </a:solidFill>
@@ -6205,18 +6054,13 @@
               <a:t>FindCommand</a:t>
             </a:r>
             <a:r>
-              <a:rPr lang="en-US" sz="1050" dirty="0" smtClean="0">
+              <a:rPr lang="en-US" sz="1050" dirty="0">
                 <a:solidFill>
                   <a:schemeClr val="bg1"/>
                 </a:solidFill>
               </a:rPr>
               <a:t>, etc.</a:t>
             </a:r>
-            <a:endParaRPr lang="en-US" sz="1050" dirty="0">
-              <a:solidFill>
-                <a:schemeClr val="bg1"/>
-              </a:solidFill>
-            </a:endParaRPr>
           </a:p>
         </p:txBody>
       </p:sp>
